--- a/output/modernWorship/Our-Father.pptx
+++ b/output/modernWorship/Our-Father.pptx
@@ -10,7 +10,6 @@
     <p:sldId r:id="rId10" id="258"/>
     <p:sldId r:id="rId11" id="259"/>
     <p:sldId r:id="rId12" id="260"/>
-    <p:sldId r:id="rId13" id="261"/>
   </p:sldIdLst>
   <p:sldSz cx="9144000" cy="6858000" type="screen4x3"/>
   <p:notesSz cx="6858000" cy="9144000"/>
@@ -507,7 +506,7 @@
           <a:lstStyle/>
           <a:p>
             <a:r>
-              <a:t> </a:t>
+              <a:t>Verse 1</a:t>
             </a:r>
             <a:br/>
             <a:r>
@@ -585,7 +584,7 @@
           <a:lstStyle/>
           <a:p>
             <a:r>
-              <a:t>Verse 1</a:t>
+              <a:t>We wholly trust</a:t>
             </a:r>
             <a:br/>
             <a:r>
@@ -663,7 +662,7 @@
           <a:lstStyle/>
           <a:p>
             <a:r>
-              <a:t>Verse 2</a:t>
+              <a:t>Chorus</a:t>
             </a:r>
             <a:br/>
             <a:r>
@@ -741,7 +740,7 @@
           <a:lstStyle/>
           <a:p>
             <a:r>
-              <a:t>Chorus</a:t>
+              <a:t>Lead us from the valley of temptation</a:t>
             </a:r>
             <a:br/>
             <a:r>
@@ -775,84 +774,6 @@
 </file>
 
 <file path=ppt/notesSlides/notesSlide5.xml><?xml version="1.0" encoding="utf-8"?>
-<p:notes xmlns:a="http://schemas.openxmlformats.org/drawingml/2006/main" xmlns:p="http://schemas.openxmlformats.org/presentationml/2006/main" xmlns:r="http://schemas.openxmlformats.org/officeDocument/2006/relationships">
-  <p:cSld>
-    <p:spTree>
-      <p:nvGrpSpPr>
-        <p:cNvPr id="1" name=""/>
-        <p:cNvGrpSpPr/>
-        <p:nvPr/>
-      </p:nvGrpSpPr>
-      <p:grpSpPr>
-        <a:xfrm>
-          <a:off x="0" y="0"/>
-          <a:ext cx="0" cy="0"/>
-          <a:chOff x="0" y="0"/>
-          <a:chExt cx="0" cy="0"/>
-        </a:xfrm>
-      </p:grpSpPr>
-      <p:sp>
-        <p:nvSpPr>
-          <p:cNvPr id="2" name="Slide Image Placeholder 1"/>
-          <p:cNvSpPr>
-            <a:spLocks noGrp="1"/>
-          </p:cNvSpPr>
-          <p:nvPr>
-            <p:ph type="sldImg" idx="2"/>
-          </p:nvPr>
-        </p:nvSpPr>
-        <p:spPr/>
-      </p:sp>
-      <p:sp>
-        <p:nvSpPr>
-          <p:cNvPr id="3" name="Notes Placeholder 2"/>
-          <p:cNvSpPr>
-            <a:spLocks noGrp="1"/>
-          </p:cNvSpPr>
-          <p:nvPr>
-            <p:ph type="body" idx="3" sz="quarter"/>
-          </p:nvPr>
-        </p:nvSpPr>
-        <p:spPr/>
-        <p:txBody>
-          <a:bodyPr/>
-          <a:lstStyle/>
-          <a:p>
-            <a:r>
-              <a:t>Verse 3</a:t>
-            </a:r>
-            <a:br/>
-            <a:r>
-              <a:t>Writers:  Brooke Ligertwood, Jonas Myrin, Scott Ligertwood</a:t>
-            </a:r>
-            <a:br/>
-            <a:r>
-              <a:t>CCLI:  7019980</a:t>
-            </a:r>
-          </a:p>
-        </p:txBody>
-      </p:sp>
-      <p:sp>
-        <p:nvSpPr>
-          <p:cNvPr id="4" name="Slide Number Placeholder 3"/>
-          <p:cNvSpPr>
-            <a:spLocks noGrp="1"/>
-          </p:cNvSpPr>
-          <p:nvPr>
-            <p:ph type="sldNum" idx="5" sz="quarter"/>
-          </p:nvPr>
-        </p:nvSpPr>
-        <p:spPr/>
-      </p:sp>
-    </p:spTree>
-  </p:cSld>
-  <p:clrMapOvr>
-    <a:masterClrMapping/>
-  </p:clrMapOvr>
-</p:notes>
-</file>
-
-<file path=ppt/notesSlides/notesSlide6.xml><?xml version="1.0" encoding="utf-8"?>
 <p:notes xmlns:a="http://schemas.openxmlformats.org/drawingml/2006/main" xmlns:p="http://schemas.openxmlformats.org/presentationml/2006/main" xmlns:r="http://schemas.openxmlformats.org/officeDocument/2006/relationships">
   <p:cSld>
     <p:spTree>
@@ -3937,6 +3858,30 @@
             <a:pPr>
               <a:defRPr sz="2500"/>
             </a:pPr>
+            <a:r>
+              <a:t>The words of Christ</a:t>
+            </a:r>
+            <a:br/>
+            <a:r>
+              <a:t>Passed down through generations</a:t>
+            </a:r>
+            <a:br/>
+            <a:r>
+              <a:t>The Son of God teaching us to pray</a:t>
+            </a:r>
+            <a:br/>
+            <a:r>
+              <a:t>Echoed words</a:t>
+            </a:r>
+            <a:br/>
+            <a:r>
+              <a:t>Father have Your will, Your way in me</a:t>
+            </a:r>
+            <a:br/>
+            <a:r>
+              <a:t>Completely</a:t>
+            </a:r>
+            <a:br/>
           </a:p>
         </p:txBody>
       </p:sp>
@@ -3967,7 +3912,7 @@
               <a:defRPr sz="1200"/>
             </a:pPr>
             <a:r>
-              <a:t> </a:t>
+              <a:t>Verse 1</a:t>
             </a:r>
             <a:br/>
             <a:r>
@@ -4025,27 +3970,23 @@
               <a:defRPr sz="2500"/>
             </a:pPr>
             <a:r>
-              <a:t>The words of Christ</a:t>
+              <a:t>You're faithful in provision</a:t>
             </a:r>
             <a:br/>
             <a:r>
-              <a:t>Passed down through generations</a:t>
+              <a:t>Amazing grace, mercy for our sins</a:t>
             </a:r>
             <a:br/>
             <a:r>
-              <a:t>The Son of God teaching us to pray</a:t>
+              <a:t>May we forgive</a:t>
             </a:r>
             <a:br/>
             <a:r>
-              <a:t>Echoed words</a:t>
+              <a:t>The way that You've forgiven us, oh Lord</a:t>
             </a:r>
             <a:br/>
             <a:r>
-              <a:t>Father have Your will, Your way in me</a:t>
-            </a:r>
-            <a:br/>
-            <a:r>
-              <a:t>Completely </a:t>
+              <a:t>So we can sing</a:t>
             </a:r>
             <a:br/>
           </a:p>
@@ -4078,7 +4019,7 @@
               <a:defRPr sz="1200"/>
             </a:pPr>
             <a:r>
-              <a:t>Verse 1</a:t>
+              <a:t>We wholly trust</a:t>
             </a:r>
             <a:br/>
             <a:r>
@@ -4132,32 +4073,31 @@
           <a:lstStyle/>
           <a:p/>
           <a:p>
-            <a:br/>
             <a:pPr>
               <a:defRPr sz="2500"/>
             </a:pPr>
             <a:r>
-              <a:t>We wholly trust</a:t>
+              <a:t>Our Father</a:t>
             </a:r>
             <a:br/>
             <a:r>
-              <a:t>You're faithful in provision</a:t>
+              <a:t>Hallowed be Your Name</a:t>
             </a:r>
             <a:br/>
             <a:r>
-              <a:t>Amazing grace, mercy for our sins</a:t>
+              <a:t>Forever our God be exalted</a:t>
             </a:r>
             <a:br/>
             <a:r>
-              <a:t>May we forgive</a:t>
+              <a:t>Your kingdom come and in us</a:t>
             </a:r>
             <a:br/>
             <a:r>
-              <a:t>The way that You've forgiven us, oh Lord</a:t>
+              <a:t>Let your will be done</a:t>
             </a:r>
             <a:br/>
             <a:r>
-              <a:t>So we can sing</a:t>
+              <a:t>Our Father</a:t>
             </a:r>
             <a:br/>
           </a:p>
@@ -4190,7 +4130,7 @@
               <a:defRPr sz="1200"/>
             </a:pPr>
             <a:r>
-              <a:t>Verse 2</a:t>
+              <a:t>Chorus</a:t>
             </a:r>
             <a:br/>
             <a:r>
@@ -4248,27 +4188,19 @@
               <a:defRPr sz="2500"/>
             </a:pPr>
             <a:r>
-              <a:t>Our Father</a:t>
+              <a:t>Deliver us from the evil one</a:t>
             </a:r>
             <a:br/>
             <a:r>
-              <a:t>Hallowed be Your Name</a:t>
+              <a:t>Lord You reign and here we stand</a:t>
             </a:r>
             <a:br/>
             <a:r>
-              <a:t>Forever our God be exalted</a:t>
+              <a:t>Victorious in Your Name</a:t>
             </a:r>
             <a:br/>
             <a:r>
-              <a:t>Your kingdom come and in us</a:t>
-            </a:r>
-            <a:br/>
-            <a:r>
-              <a:t>Let your will be done</a:t>
-            </a:r>
-            <a:br/>
-            <a:r>
-              <a:t>Our Father</a:t>
+              <a:t>Together we pray</a:t>
             </a:r>
             <a:br/>
           </a:p>
@@ -4301,7 +4233,7 @@
               <a:defRPr sz="1200"/>
             </a:pPr>
             <a:r>
-              <a:t>Chorus</a:t>
+              <a:t>Lead us from the valley of temptation</a:t>
             </a:r>
             <a:br/>
             <a:r>
@@ -4323,114 +4255,6 @@
 </file>
 
 <file path=ppt/slides/slide5.xml><?xml version="1.0" encoding="utf-8"?>
-<p:sld xmlns:a="http://schemas.openxmlformats.org/drawingml/2006/main" xmlns:p="http://schemas.openxmlformats.org/presentationml/2006/main" xmlns:r="http://schemas.openxmlformats.org/officeDocument/2006/relationships">
-  <p:cSld>
-    <p:spTree>
-      <p:nvGrpSpPr>
-        <p:cNvPr id="1" name=""/>
-        <p:cNvGrpSpPr/>
-        <p:nvPr/>
-      </p:nvGrpSpPr>
-      <p:grpSpPr/>
-      <p:sp>
-        <p:nvSpPr>
-          <p:cNvPr id="2" name="TextBox 1"/>
-          <p:cNvSpPr txBox="1"/>
-          <p:nvPr/>
-        </p:nvSpPr>
-        <p:spPr>
-          <a:xfrm>
-            <a:off x="914400" y="914400"/>
-            <a:ext cx="7315200" cy="914400"/>
-          </a:xfrm>
-          <a:prstGeom prst="rect">
-            <a:avLst/>
-          </a:prstGeom>
-          <a:noFill/>
-        </p:spPr>
-        <p:txBody>
-          <a:bodyPr wrap="none">
-            <a:spAutoFit/>
-          </a:bodyPr>
-          <a:lstStyle/>
-          <a:p/>
-          <a:p>
-            <a:br/>
-            <a:pPr>
-              <a:defRPr sz="2500"/>
-            </a:pPr>
-            <a:r>
-              <a:t>Lead us from the valley of temptation</a:t>
-            </a:r>
-            <a:br/>
-            <a:r>
-              <a:t>Deliver us from the evil one</a:t>
-            </a:r>
-            <a:br/>
-            <a:r>
-              <a:t>Lord You reign and here we stand</a:t>
-            </a:r>
-            <a:br/>
-            <a:r>
-              <a:t>Victorious in Your Name</a:t>
-            </a:r>
-            <a:br/>
-            <a:r>
-              <a:t>Together we pray</a:t>
-            </a:r>
-            <a:br/>
-          </a:p>
-        </p:txBody>
-      </p:sp>
-      <p:sp>
-        <p:nvSpPr>
-          <p:cNvPr id="3" name="TextBox 2"/>
-          <p:cNvSpPr txBox="1"/>
-          <p:nvPr/>
-        </p:nvSpPr>
-        <p:spPr>
-          <a:xfrm>
-            <a:off x="4572000" y="5943600"/>
-            <a:ext cx="914400" cy="914400"/>
-          </a:xfrm>
-          <a:prstGeom prst="rect">
-            <a:avLst/>
-          </a:prstGeom>
-          <a:noFill/>
-        </p:spPr>
-        <p:txBody>
-          <a:bodyPr wrap="none">
-            <a:spAutoFit/>
-          </a:bodyPr>
-          <a:lstStyle/>
-          <a:p/>
-          <a:p>
-            <a:pPr>
-              <a:defRPr sz="1200"/>
-            </a:pPr>
-            <a:r>
-              <a:t>Verse 3</a:t>
-            </a:r>
-            <a:br/>
-            <a:r>
-              <a:t>Writers:  Brooke Ligertwood, Jonas Myrin, Scott Ligertwood</a:t>
-            </a:r>
-            <a:br/>
-            <a:r>
-              <a:t>CCLI:  7019980</a:t>
-            </a:r>
-          </a:p>
-        </p:txBody>
-      </p:sp>
-    </p:spTree>
-  </p:cSld>
-  <p:clrMapOvr>
-    <a:masterClrMapping/>
-  </p:clrMapOvr>
-</p:sld>
-</file>
-
-<file path=ppt/slides/slide6.xml><?xml version="1.0" encoding="utf-8"?>
 <p:sld xmlns:a="http://schemas.openxmlformats.org/drawingml/2006/main" xmlns:p="http://schemas.openxmlformats.org/presentationml/2006/main" xmlns:r="http://schemas.openxmlformats.org/officeDocument/2006/relationships">
   <p:cSld>
     <p:spTree>

--- a/output/modernWorship/Our-Father.pptx
+++ b/output/modernWorship/Our-Father.pptx
@@ -10,6 +10,7 @@
     <p:sldId r:id="rId10" id="258"/>
     <p:sldId r:id="rId11" id="259"/>
     <p:sldId r:id="rId12" id="260"/>
+    <p:sldId r:id="rId13" id="261"/>
   </p:sldIdLst>
   <p:sldSz cx="9144000" cy="6858000" type="screen4x3"/>
   <p:notesSz cx="6858000" cy="9144000"/>
@@ -506,7 +507,7 @@
           <a:lstStyle/>
           <a:p>
             <a:r>
-              <a:t>Verse 1</a:t>
+              <a:t>Intro</a:t>
             </a:r>
             <a:br/>
             <a:r>
@@ -584,7 +585,7 @@
           <a:lstStyle/>
           <a:p>
             <a:r>
-              <a:t>We wholly trust</a:t>
+              <a:t>Verse 1</a:t>
             </a:r>
             <a:br/>
             <a:r>
@@ -662,7 +663,7 @@
           <a:lstStyle/>
           <a:p>
             <a:r>
-              <a:t>Chorus</a:t>
+              <a:t>We wholly trust</a:t>
             </a:r>
             <a:br/>
             <a:r>
@@ -740,7 +741,7 @@
           <a:lstStyle/>
           <a:p>
             <a:r>
-              <a:t>Lead us from the valley of temptation</a:t>
+              <a:t>Chorus</a:t>
             </a:r>
             <a:br/>
             <a:r>
@@ -774,6 +775,84 @@
 </file>
 
 <file path=ppt/notesSlides/notesSlide5.xml><?xml version="1.0" encoding="utf-8"?>
+<p:notes xmlns:a="http://schemas.openxmlformats.org/drawingml/2006/main" xmlns:p="http://schemas.openxmlformats.org/presentationml/2006/main" xmlns:r="http://schemas.openxmlformats.org/officeDocument/2006/relationships">
+  <p:cSld>
+    <p:spTree>
+      <p:nvGrpSpPr>
+        <p:cNvPr id="1" name=""/>
+        <p:cNvGrpSpPr/>
+        <p:nvPr/>
+      </p:nvGrpSpPr>
+      <p:grpSpPr>
+        <a:xfrm>
+          <a:off x="0" y="0"/>
+          <a:ext cx="0" cy="0"/>
+          <a:chOff x="0" y="0"/>
+          <a:chExt cx="0" cy="0"/>
+        </a:xfrm>
+      </p:grpSpPr>
+      <p:sp>
+        <p:nvSpPr>
+          <p:cNvPr id="2" name="Slide Image Placeholder 1"/>
+          <p:cNvSpPr>
+            <a:spLocks noGrp="1"/>
+          </p:cNvSpPr>
+          <p:nvPr>
+            <p:ph type="sldImg" idx="2"/>
+          </p:nvPr>
+        </p:nvSpPr>
+        <p:spPr/>
+      </p:sp>
+      <p:sp>
+        <p:nvSpPr>
+          <p:cNvPr id="3" name="Notes Placeholder 2"/>
+          <p:cNvSpPr>
+            <a:spLocks noGrp="1"/>
+          </p:cNvSpPr>
+          <p:nvPr>
+            <p:ph type="body" idx="3" sz="quarter"/>
+          </p:nvPr>
+        </p:nvSpPr>
+        <p:spPr/>
+        <p:txBody>
+          <a:bodyPr/>
+          <a:lstStyle/>
+          <a:p>
+            <a:r>
+              <a:t>Lead us from the valley of temptation</a:t>
+            </a:r>
+            <a:br/>
+            <a:r>
+              <a:t>Writers:  Brooke Ligertwood, Jonas Myrin, Scott Ligertwood</a:t>
+            </a:r>
+            <a:br/>
+            <a:r>
+              <a:t>CCLI:  7019980</a:t>
+            </a:r>
+          </a:p>
+        </p:txBody>
+      </p:sp>
+      <p:sp>
+        <p:nvSpPr>
+          <p:cNvPr id="4" name="Slide Number Placeholder 3"/>
+          <p:cNvSpPr>
+            <a:spLocks noGrp="1"/>
+          </p:cNvSpPr>
+          <p:nvPr>
+            <p:ph type="sldNum" idx="5" sz="quarter"/>
+          </p:nvPr>
+        </p:nvSpPr>
+        <p:spPr/>
+      </p:sp>
+    </p:spTree>
+  </p:cSld>
+  <p:clrMapOvr>
+    <a:masterClrMapping/>
+  </p:clrMapOvr>
+</p:notes>
+</file>
+
+<file path=ppt/notesSlides/notesSlide6.xml><?xml version="1.0" encoding="utf-8"?>
 <p:notes xmlns:a="http://schemas.openxmlformats.org/drawingml/2006/main" xmlns:p="http://schemas.openxmlformats.org/presentationml/2006/main" xmlns:r="http://schemas.openxmlformats.org/officeDocument/2006/relationships">
   <p:cSld>
     <p:spTree>
@@ -3858,30 +3937,6 @@
             <a:pPr>
               <a:defRPr sz="2500"/>
             </a:pPr>
-            <a:r>
-              <a:t>The words of Christ</a:t>
-            </a:r>
-            <a:br/>
-            <a:r>
-              <a:t>Passed down through generations</a:t>
-            </a:r>
-            <a:br/>
-            <a:r>
-              <a:t>The Son of God teaching us to pray</a:t>
-            </a:r>
-            <a:br/>
-            <a:r>
-              <a:t>Echoed words</a:t>
-            </a:r>
-            <a:br/>
-            <a:r>
-              <a:t>Father have Your will, Your way in me</a:t>
-            </a:r>
-            <a:br/>
-            <a:r>
-              <a:t>Completely</a:t>
-            </a:r>
-            <a:br/>
           </a:p>
         </p:txBody>
       </p:sp>
@@ -3912,7 +3967,7 @@
               <a:defRPr sz="1200"/>
             </a:pPr>
             <a:r>
-              <a:t>Verse 1</a:t>
+              <a:t>Intro</a:t>
             </a:r>
             <a:br/>
             <a:r>
@@ -3970,23 +4025,27 @@
               <a:defRPr sz="2500"/>
             </a:pPr>
             <a:r>
-              <a:t>You're faithful in provision</a:t>
-            </a:r>
-            <a:br/>
-            <a:r>
-              <a:t>Amazing grace, mercy for our sins</a:t>
-            </a:r>
-            <a:br/>
-            <a:r>
-              <a:t>May we forgive</a:t>
-            </a:r>
-            <a:br/>
-            <a:r>
-              <a:t>The way that You've forgiven us, oh Lord</a:t>
-            </a:r>
-            <a:br/>
-            <a:r>
-              <a:t>So we can sing</a:t>
+              <a:t>The words of Christ</a:t>
+            </a:r>
+            <a:br/>
+            <a:r>
+              <a:t>Passed down through generations</a:t>
+            </a:r>
+            <a:br/>
+            <a:r>
+              <a:t>The Son of God teaching us to pray</a:t>
+            </a:r>
+            <a:br/>
+            <a:r>
+              <a:t>Echoed words</a:t>
+            </a:r>
+            <a:br/>
+            <a:r>
+              <a:t>Father have Your will, Your way in me</a:t>
+            </a:r>
+            <a:br/>
+            <a:r>
+              <a:t>Completely</a:t>
             </a:r>
             <a:br/>
           </a:p>
@@ -4019,7 +4078,7 @@
               <a:defRPr sz="1200"/>
             </a:pPr>
             <a:r>
-              <a:t>We wholly trust</a:t>
+              <a:t>Verse 1</a:t>
             </a:r>
             <a:br/>
             <a:r>
@@ -4077,27 +4136,23 @@
               <a:defRPr sz="2500"/>
             </a:pPr>
             <a:r>
-              <a:t>Our Father</a:t>
-            </a:r>
-            <a:br/>
-            <a:r>
-              <a:t>Hallowed be Your Name</a:t>
-            </a:r>
-            <a:br/>
-            <a:r>
-              <a:t>Forever our God be exalted</a:t>
-            </a:r>
-            <a:br/>
-            <a:r>
-              <a:t>Your kingdom come and in us</a:t>
-            </a:r>
-            <a:br/>
-            <a:r>
-              <a:t>Let your will be done</a:t>
-            </a:r>
-            <a:br/>
-            <a:r>
-              <a:t>Our Father</a:t>
+              <a:t>You're faithful in provision</a:t>
+            </a:r>
+            <a:br/>
+            <a:r>
+              <a:t>Amazing grace, mercy for our sins</a:t>
+            </a:r>
+            <a:br/>
+            <a:r>
+              <a:t>May we forgive</a:t>
+            </a:r>
+            <a:br/>
+            <a:r>
+              <a:t>The way that You've forgiven us, oh Lord</a:t>
+            </a:r>
+            <a:br/>
+            <a:r>
+              <a:t>So we can sing</a:t>
             </a:r>
             <a:br/>
           </a:p>
@@ -4130,7 +4185,7 @@
               <a:defRPr sz="1200"/>
             </a:pPr>
             <a:r>
-              <a:t>Chorus</a:t>
+              <a:t>We wholly trust</a:t>
             </a:r>
             <a:br/>
             <a:r>
@@ -4188,19 +4243,27 @@
               <a:defRPr sz="2500"/>
             </a:pPr>
             <a:r>
-              <a:t>Deliver us from the evil one</a:t>
-            </a:r>
-            <a:br/>
-            <a:r>
-              <a:t>Lord You reign and here we stand</a:t>
-            </a:r>
-            <a:br/>
-            <a:r>
-              <a:t>Victorious in Your Name</a:t>
-            </a:r>
-            <a:br/>
-            <a:r>
-              <a:t>Together we pray</a:t>
+              <a:t>Our Father</a:t>
+            </a:r>
+            <a:br/>
+            <a:r>
+              <a:t>Hallowed be Your Name</a:t>
+            </a:r>
+            <a:br/>
+            <a:r>
+              <a:t>Forever our God be exalted</a:t>
+            </a:r>
+            <a:br/>
+            <a:r>
+              <a:t>Your kingdom come and in us</a:t>
+            </a:r>
+            <a:br/>
+            <a:r>
+              <a:t>Let your will be done</a:t>
+            </a:r>
+            <a:br/>
+            <a:r>
+              <a:t>Our Father</a:t>
             </a:r>
             <a:br/>
           </a:p>
@@ -4233,7 +4296,7 @@
               <a:defRPr sz="1200"/>
             </a:pPr>
             <a:r>
-              <a:t>Lead us from the valley of temptation</a:t>
+              <a:t>Chorus</a:t>
             </a:r>
             <a:br/>
             <a:r>
@@ -4255,6 +4318,109 @@
 </file>
 
 <file path=ppt/slides/slide5.xml><?xml version="1.0" encoding="utf-8"?>
+<p:sld xmlns:a="http://schemas.openxmlformats.org/drawingml/2006/main" xmlns:p="http://schemas.openxmlformats.org/presentationml/2006/main" xmlns:r="http://schemas.openxmlformats.org/officeDocument/2006/relationships">
+  <p:cSld>
+    <p:spTree>
+      <p:nvGrpSpPr>
+        <p:cNvPr id="1" name=""/>
+        <p:cNvGrpSpPr/>
+        <p:nvPr/>
+      </p:nvGrpSpPr>
+      <p:grpSpPr/>
+      <p:sp>
+        <p:nvSpPr>
+          <p:cNvPr id="2" name="TextBox 1"/>
+          <p:cNvSpPr txBox="1"/>
+          <p:nvPr/>
+        </p:nvSpPr>
+        <p:spPr>
+          <a:xfrm>
+            <a:off x="914400" y="914400"/>
+            <a:ext cx="7315200" cy="914400"/>
+          </a:xfrm>
+          <a:prstGeom prst="rect">
+            <a:avLst/>
+          </a:prstGeom>
+          <a:noFill/>
+        </p:spPr>
+        <p:txBody>
+          <a:bodyPr wrap="none">
+            <a:spAutoFit/>
+          </a:bodyPr>
+          <a:lstStyle/>
+          <a:p/>
+          <a:p>
+            <a:pPr>
+              <a:defRPr sz="2500"/>
+            </a:pPr>
+            <a:r>
+              <a:t>Deliver us from the evil one</a:t>
+            </a:r>
+            <a:br/>
+            <a:r>
+              <a:t>Lord You reign and here we stand</a:t>
+            </a:r>
+            <a:br/>
+            <a:r>
+              <a:t>Victorious in Your Name</a:t>
+            </a:r>
+            <a:br/>
+            <a:r>
+              <a:t>Together we pray</a:t>
+            </a:r>
+            <a:br/>
+          </a:p>
+        </p:txBody>
+      </p:sp>
+      <p:sp>
+        <p:nvSpPr>
+          <p:cNvPr id="3" name="TextBox 2"/>
+          <p:cNvSpPr txBox="1"/>
+          <p:nvPr/>
+        </p:nvSpPr>
+        <p:spPr>
+          <a:xfrm>
+            <a:off x="4572000" y="5943600"/>
+            <a:ext cx="914400" cy="914400"/>
+          </a:xfrm>
+          <a:prstGeom prst="rect">
+            <a:avLst/>
+          </a:prstGeom>
+          <a:noFill/>
+        </p:spPr>
+        <p:txBody>
+          <a:bodyPr wrap="none">
+            <a:spAutoFit/>
+          </a:bodyPr>
+          <a:lstStyle/>
+          <a:p/>
+          <a:p>
+            <a:pPr>
+              <a:defRPr sz="1200"/>
+            </a:pPr>
+            <a:r>
+              <a:t>Lead us from the valley of temptation</a:t>
+            </a:r>
+            <a:br/>
+            <a:r>
+              <a:t>Writers:  Brooke Ligertwood, Jonas Myrin, Scott Ligertwood</a:t>
+            </a:r>
+            <a:br/>
+            <a:r>
+              <a:t>CCLI:  7019980</a:t>
+            </a:r>
+          </a:p>
+        </p:txBody>
+      </p:sp>
+    </p:spTree>
+  </p:cSld>
+  <p:clrMapOvr>
+    <a:masterClrMapping/>
+  </p:clrMapOvr>
+</p:sld>
+</file>
+
+<file path=ppt/slides/slide6.xml><?xml version="1.0" encoding="utf-8"?>
 <p:sld xmlns:a="http://schemas.openxmlformats.org/drawingml/2006/main" xmlns:p="http://schemas.openxmlformats.org/presentationml/2006/main" xmlns:r="http://schemas.openxmlformats.org/officeDocument/2006/relationships">
   <p:cSld>
     <p:spTree>
